--- a/spring12/slidesS12/expectation-linearity.pptx
+++ b/spring12/slidesS12/expectation-linearity.pptx
@@ -2404,7 +2404,11 @@
             </a:r>
             <a:r>
               <a:rPr lang="en-US" dirty="0" smtClean="0"/>
-              <a:t> 12W.</a:t>
+              <a:t> </a:t>
+            </a:r>
+            <a:r>
+              <a:rPr lang="en-US" dirty="0" smtClean="0"/>
+              <a:t>12F.</a:t>
             </a:r>
             <a:fld id="{FC9265C7-2444-489D-860F-86AAC4235083}" type="slidenum">
               <a:rPr lang="en-US" smtClean="0"/>
@@ -2579,7 +2583,11 @@
             </a:r>
             <a:r>
               <a:rPr lang="en-US" dirty="0" smtClean="0"/>
-              <a:t> 12W.</a:t>
+              <a:t> </a:t>
+            </a:r>
+            <a:r>
+              <a:rPr lang="en-US" dirty="0" smtClean="0"/>
+              <a:t>12F.</a:t>
             </a:r>
             <a:fld id="{7886A709-CED2-48A3-8616-B2655C008ECB}" type="slidenum">
               <a:rPr lang="en-US" smtClean="0"/>
@@ -2675,7 +2683,11 @@
             </a:r>
             <a:r>
               <a:rPr lang="en-US" dirty="0" smtClean="0"/>
-              <a:t> 12W.</a:t>
+              <a:t> </a:t>
+            </a:r>
+            <a:r>
+              <a:rPr lang="en-US" dirty="0" smtClean="0"/>
+              <a:t>12F.</a:t>
             </a:r>
             <a:fld id="{9B55653B-1858-43BF-A49A-533C730B553F}" type="slidenum">
               <a:rPr lang="en-US" smtClean="0"/>
@@ -2744,7 +2756,11 @@
             </a:r>
             <a:r>
               <a:rPr lang="en-US" dirty="0" smtClean="0"/>
-              <a:t> 12W.</a:t>
+              <a:t> </a:t>
+            </a:r>
+            <a:r>
+              <a:rPr lang="en-US" dirty="0" smtClean="0"/>
+              <a:t>12F.</a:t>
             </a:r>
             <a:fld id="{4E62291C-8AD8-4AE0-8F6D-A8437E91FB33}" type="slidenum">
               <a:rPr lang="en-US" smtClean="0"/>
@@ -2955,7 +2971,11 @@
             </a:r>
             <a:r>
               <a:rPr lang="en-US" dirty="0" smtClean="0"/>
-              <a:t> 12W.</a:t>
+              <a:t> </a:t>
+            </a:r>
+            <a:r>
+              <a:rPr lang="en-US" dirty="0" smtClean="0"/>
+              <a:t>12F.</a:t>
             </a:r>
             <a:fld id="{7886A709-CED2-48A3-8616-B2655C008ECB}" type="slidenum">
               <a:rPr lang="en-US" smtClean="0"/>
@@ -3051,7 +3071,37 @@
                 <a:uFillTx/>
                 <a:latin typeface="Comic Sans MS" pitchFamily="66" charset="0"/>
               </a:rPr>
-              <a:t>Albert R Meyer,            May 2, 2012</a:t>
+              <a:t>Albert R Meyer,            May </a:t>
+            </a:r>
+            <a:r>
+              <a:rPr kumimoji="0" lang="en-US" sz="1200" b="0" i="0" u="none" strike="noStrike" kern="1200" cap="none" spc="0" normalizeH="0" baseline="0" noProof="0" dirty="0" smtClean="0">
+                <a:ln>
+                  <a:noFill/>
+                </a:ln>
+                <a:solidFill>
+                  <a:schemeClr val="tx1"/>
+                </a:solidFill>
+                <a:effectLst/>
+                <a:uLnTx/>
+                <a:uFillTx/>
+                <a:latin typeface="Comic Sans MS" pitchFamily="66" charset="0"/>
+              </a:rPr>
+              <a:t>4, </a:t>
+            </a:r>
+            <a:r>
+              <a:rPr kumimoji="0" lang="en-US" sz="1200" b="0" i="0" u="none" strike="noStrike" kern="1200" cap="none" spc="0" normalizeH="0" baseline="0" noProof="0" dirty="0" smtClean="0">
+                <a:ln>
+                  <a:noFill/>
+                </a:ln>
+                <a:solidFill>
+                  <a:schemeClr val="tx1"/>
+                </a:solidFill>
+                <a:effectLst/>
+                <a:uLnTx/>
+                <a:uFillTx/>
+                <a:latin typeface="Comic Sans MS" pitchFamily="66" charset="0"/>
+              </a:rPr>
+              <a:t>2012</a:t>
             </a:r>
             <a:endParaRPr kumimoji="0" lang="en-US" sz="1200" b="0" i="0" u="none" strike="noStrike" kern="1200" cap="none" spc="0" normalizeH="0" baseline="0" noProof="0" dirty="0">
               <a:ln>
@@ -3676,7 +3726,11 @@
             </a:r>
             <a:r>
               <a:rPr lang="en-US" dirty="0" smtClean="0"/>
-              <a:t> 12W.</a:t>
+              <a:t> </a:t>
+            </a:r>
+            <a:r>
+              <a:rPr lang="en-US" dirty="0" smtClean="0"/>
+              <a:t>12F.</a:t>
             </a:r>
             <a:fld id="{93DA0692-DAF7-4AFE-9BE7-E02439D3694A}" type="slidenum">
               <a:rPr lang="en-US" smtClean="0"/>
@@ -3899,14 +3953,7 @@
                 <a:latin typeface="Comic Sans MS" pitchFamily="66" charset="0"/>
                 <a:sym typeface="Symbol" pitchFamily="18" charset="2"/>
               </a:rPr>
-              <a:t>will get same dish as initially</a:t>
-            </a:r>
-            <a:r>
-              <a:rPr lang="en-US" sz="4800" i="0" dirty="0" smtClean="0">
-                <a:latin typeface="Comic Sans MS" pitchFamily="66" charset="0"/>
-                <a:sym typeface="Symbol" pitchFamily="18" charset="2"/>
-              </a:rPr>
-              <a:t>?</a:t>
+              <a:t>will get same dish as initially?</a:t>
             </a:r>
           </a:p>
           <a:p>
@@ -3993,7 +4040,14 @@
                 <a:latin typeface="Comic Sans MS"/>
                 <a:cs typeface="Comic Sans MS"/>
               </a:rPr>
-              <a:t> 12W.</a:t>
+              <a:t> </a:t>
+            </a:r>
+            <a:r>
+              <a:rPr lang="en-US" sz="1200" dirty="0" smtClean="0">
+                <a:latin typeface="Comic Sans MS"/>
+                <a:cs typeface="Comic Sans MS"/>
+              </a:rPr>
+              <a:t>12F.</a:t>
             </a:r>
             <a:fld id="{93DA0692-DAF7-4AFE-9BE7-E02439D3694A}" type="slidenum">
               <a:rPr lang="en-US" sz="1200" smtClean="0">
@@ -4017,13 +4071,13 @@
   <p:clrMapOvr>
     <a:masterClrMapping/>
   </p:clrMapOvr>
-  <mc:AlternateContent xmlns:mc="http://schemas.openxmlformats.org/markup-compatibility/2006">
-    <mc:Choice xmlns:p14="http://schemas.microsoft.com/office/powerpoint/2010/main" Requires="p14">
+  <mc:AlternateContent xmlns:mc="http://schemas.openxmlformats.org/markup-compatibility/2006" xmlns:p14="http://schemas.microsoft.com/office/powerpoint/2010/main">
+    <mc:Choice Requires="p14">
       <p:transition spd="slow" p14:dur="900">
         <p:fade thruBlk="1"/>
       </p:transition>
     </mc:Choice>
-    <mc:Fallback>
+    <mc:Fallback xmlns="">
       <p:transition xmlns:p14="http://schemas.microsoft.com/office/powerpoint/2010/main" spd="slow">
         <p:fade thruBlk="1"/>
       </p:transition>
@@ -4841,7 +4895,14 @@
                 <a:latin typeface="Comic Sans MS"/>
                 <a:cs typeface="Comic Sans MS"/>
               </a:rPr>
-              <a:t> 12W.</a:t>
+              <a:t> </a:t>
+            </a:r>
+            <a:r>
+              <a:rPr lang="en-US" sz="1200" dirty="0" smtClean="0">
+                <a:latin typeface="Comic Sans MS"/>
+                <a:cs typeface="Comic Sans MS"/>
+              </a:rPr>
+              <a:t>12F.</a:t>
             </a:r>
             <a:fld id="{93DA0692-DAF7-4AFE-9BE7-E02439D3694A}" type="slidenum">
               <a:rPr lang="en-US" sz="1200" smtClean="0">
@@ -5480,7 +5541,14 @@
                 <a:latin typeface="Comic Sans MS"/>
                 <a:cs typeface="Comic Sans MS"/>
               </a:rPr>
-              <a:t> 12W.</a:t>
+              <a:t> </a:t>
+            </a:r>
+            <a:r>
+              <a:rPr lang="en-US" sz="1200" dirty="0" smtClean="0">
+                <a:latin typeface="Comic Sans MS"/>
+                <a:cs typeface="Comic Sans MS"/>
+              </a:rPr>
+              <a:t>12F.</a:t>
             </a:r>
             <a:fld id="{93DA0692-DAF7-4AFE-9BE7-E02439D3694A}" type="slidenum">
               <a:rPr lang="en-US" sz="1200" smtClean="0">
@@ -5882,13 +5950,7 @@
               <a:rPr lang="en-US" sz="6000" i="0" dirty="0" smtClean="0">
                 <a:latin typeface="+mj-lt"/>
               </a:rPr>
-              <a:t> </a:t>
-            </a:r>
-            <a:r>
-              <a:rPr lang="en-US" sz="6000" i="0" dirty="0" smtClean="0">
-                <a:latin typeface="+mj-lt"/>
-              </a:rPr>
-              <a:t>or all </a:t>
+              <a:t> or all </a:t>
             </a:r>
             <a:r>
               <a:rPr lang="en-US" sz="6000" i="0" dirty="0" smtClean="0">
@@ -5926,16 +5988,7 @@
                 </a:solidFill>
                 <a:latin typeface="+mj-lt"/>
               </a:rPr>
-              <a:t>linearity </a:t>
-            </a:r>
-            <a:r>
-              <a:rPr lang="en-US" sz="6000" dirty="0" smtClean="0">
-                <a:solidFill>
-                  <a:srgbClr val="9B2894"/>
-                </a:solidFill>
-                <a:latin typeface="+mj-lt"/>
-              </a:rPr>
-              <a:t>still holds</a:t>
+              <a:t>linearity still holds</a:t>
             </a:r>
             <a:r>
               <a:rPr lang="en-US" sz="6000" i="0" dirty="0" smtClean="0">
@@ -5990,7 +6043,14 @@
                 <a:latin typeface="Comic Sans MS"/>
                 <a:cs typeface="Comic Sans MS"/>
               </a:rPr>
-              <a:t> 12W.</a:t>
+              <a:t> </a:t>
+            </a:r>
+            <a:r>
+              <a:rPr lang="en-US" sz="1200" dirty="0" smtClean="0">
+                <a:latin typeface="Comic Sans MS"/>
+                <a:cs typeface="Comic Sans MS"/>
+              </a:rPr>
+              <a:t>12F.</a:t>
             </a:r>
             <a:fld id="{93DA0692-DAF7-4AFE-9BE7-E02439D3694A}" type="slidenum">
               <a:rPr lang="en-US" sz="1200" smtClean="0">
@@ -6014,13 +6074,13 @@
   <p:clrMapOvr>
     <a:masterClrMapping/>
   </p:clrMapOvr>
-  <mc:AlternateContent xmlns:mc="http://schemas.openxmlformats.org/markup-compatibility/2006">
-    <mc:Choice xmlns:p14="http://schemas.microsoft.com/office/powerpoint/2010/main" Requires="p14">
+  <mc:AlternateContent xmlns:mc="http://schemas.openxmlformats.org/markup-compatibility/2006" xmlns:p14="http://schemas.microsoft.com/office/powerpoint/2010/main">
+    <mc:Choice Requires="p14">
       <p:transition spd="med" p14:dur="700">
         <p:fade/>
       </p:transition>
     </mc:Choice>
-    <mc:Fallback>
+    <mc:Fallback xmlns="">
       <p:transition xmlns:p14="http://schemas.microsoft.com/office/powerpoint/2010/main" spd="med">
         <p:fade/>
       </p:transition>
@@ -6356,17 +6416,7 @@
                 <a:latin typeface="Comic Sans MS" pitchFamily="66" charset="0"/>
                 <a:sym typeface="Symbol" pitchFamily="18" charset="2"/>
               </a:rPr>
-              <a:t>E</a:t>
-            </a:r>
-            <a:r>
-              <a:rPr lang="en-US" sz="6600" i="0" dirty="0" smtClean="0">
-                <a:solidFill>
-                  <a:srgbClr val="0000FF"/>
-                </a:solidFill>
-                <a:latin typeface="Comic Sans MS" pitchFamily="66" charset="0"/>
-                <a:sym typeface="Symbol" pitchFamily="18" charset="2"/>
-              </a:rPr>
-              <a:t>[X</a:t>
+              <a:t>E[X</a:t>
             </a:r>
             <a:r>
               <a:rPr lang="en-US" sz="6600" dirty="0" smtClean="0">
@@ -6402,17 +6452,7 @@
                 <a:latin typeface="Comic Sans MS" pitchFamily="66" charset="0"/>
                 <a:sym typeface="Symbol" pitchFamily="18" charset="2"/>
               </a:rPr>
-              <a:t>E</a:t>
-            </a:r>
-            <a:r>
-              <a:rPr lang="en-US" sz="6600" i="0" dirty="0" smtClean="0">
-                <a:solidFill>
-                  <a:srgbClr val="0000FF"/>
-                </a:solidFill>
-                <a:latin typeface="Comic Sans MS" pitchFamily="66" charset="0"/>
-                <a:sym typeface="Symbol" pitchFamily="18" charset="2"/>
-              </a:rPr>
-              <a:t>[X]</a:t>
+              <a:t>E[X]</a:t>
             </a:r>
             <a:r>
               <a:rPr lang="en-US" sz="6600" dirty="0" smtClean="0">
@@ -6428,17 +6468,7 @@
                 <a:latin typeface="Comic Sans MS" pitchFamily="66" charset="0"/>
                 <a:sym typeface="Symbol" pitchFamily="18" charset="2"/>
               </a:rPr>
-              <a:t>E</a:t>
-            </a:r>
-            <a:r>
-              <a:rPr lang="en-US" sz="6600" i="0" dirty="0" smtClean="0">
-                <a:solidFill>
-                  <a:srgbClr val="0000FF"/>
-                </a:solidFill>
-                <a:latin typeface="Comic Sans MS" pitchFamily="66" charset="0"/>
-                <a:sym typeface="Symbol" pitchFamily="18" charset="2"/>
-              </a:rPr>
-              <a:t>[Y]</a:t>
+              <a:t>E[Y]</a:t>
             </a:r>
             <a:endParaRPr lang="en-US" sz="6600" i="0" dirty="0">
               <a:solidFill>
@@ -6523,7 +6553,14 @@
                 <a:latin typeface="Comic Sans MS"/>
                 <a:cs typeface="Comic Sans MS"/>
               </a:rPr>
-              <a:t> 12W.</a:t>
+              <a:t> </a:t>
+            </a:r>
+            <a:r>
+              <a:rPr lang="en-US" sz="1200" dirty="0" smtClean="0">
+                <a:latin typeface="Comic Sans MS"/>
+                <a:cs typeface="Comic Sans MS"/>
+              </a:rPr>
+              <a:t>12F.</a:t>
             </a:r>
             <a:fld id="{93DA0692-DAF7-4AFE-9BE7-E02439D3694A}" type="slidenum">
               <a:rPr lang="en-US" sz="1200" smtClean="0">
@@ -7617,7 +7654,14 @@
                 <a:latin typeface="Comic Sans MS"/>
                 <a:cs typeface="Comic Sans MS"/>
               </a:rPr>
-              <a:t> 12W.</a:t>
+              <a:t> </a:t>
+            </a:r>
+            <a:r>
+              <a:rPr lang="en-US" sz="1200" dirty="0" smtClean="0">
+                <a:latin typeface="Comic Sans MS"/>
+                <a:cs typeface="Comic Sans MS"/>
+              </a:rPr>
+              <a:t>12F.</a:t>
             </a:r>
             <a:fld id="{93DA0692-DAF7-4AFE-9BE7-E02439D3694A}" type="slidenum">
               <a:rPr lang="en-US" sz="1200" smtClean="0">
@@ -8196,7 +8240,11 @@
             </a:r>
             <a:r>
               <a:rPr lang="en-US" dirty="0" smtClean="0"/>
-              <a:t> 12W.</a:t>
+              <a:t> </a:t>
+            </a:r>
+            <a:r>
+              <a:rPr lang="en-US" dirty="0" smtClean="0"/>
+              <a:t>12F.</a:t>
             </a:r>
             <a:fld id="{93DA0692-DAF7-4AFE-9BE7-E02439D3694A}" type="slidenum">
               <a:rPr lang="en-US" smtClean="0"/>
@@ -8603,7 +8651,14 @@
                 <a:latin typeface="Comic Sans MS"/>
                 <a:cs typeface="Comic Sans MS"/>
               </a:rPr>
-              <a:t> 12W.</a:t>
+              <a:t> </a:t>
+            </a:r>
+            <a:r>
+              <a:rPr lang="en-US" sz="1200" dirty="0" smtClean="0">
+                <a:latin typeface="Comic Sans MS"/>
+                <a:cs typeface="Comic Sans MS"/>
+              </a:rPr>
+              <a:t>12F.</a:t>
             </a:r>
             <a:fld id="{93DA0692-DAF7-4AFE-9BE7-E02439D3694A}" type="slidenum">
               <a:rPr lang="en-US" sz="1200" smtClean="0">
@@ -9103,17 +9158,7 @@
                 <a:latin typeface="Comic Sans MS" pitchFamily="66" charset="0"/>
                 <a:sym typeface="Symbol" pitchFamily="18" charset="2"/>
               </a:rPr>
-              <a:t>E</a:t>
-            </a:r>
-            <a:r>
-              <a:rPr lang="en-US" sz="5400" i="0" dirty="0" smtClean="0">
-                <a:solidFill>
-                  <a:srgbClr val="0000FF"/>
-                </a:solidFill>
-                <a:latin typeface="Comic Sans MS" pitchFamily="66" charset="0"/>
-                <a:sym typeface="Symbol" pitchFamily="18" charset="2"/>
-              </a:rPr>
-              <a:t>[D]</a:t>
+              <a:t>E[D]</a:t>
             </a:r>
             <a:r>
               <a:rPr lang="en-US" sz="5400" i="0" dirty="0" smtClean="0">
@@ -9430,14 +9475,7 @@
                 <a:latin typeface="Comic Sans MS" pitchFamily="66" charset="0"/>
                 <a:sym typeface="Symbol" pitchFamily="18" charset="2"/>
               </a:rPr>
-              <a:t> </a:t>
-            </a:r>
-            <a:r>
-              <a:rPr lang="en-US" sz="5400" i="0" dirty="0" smtClean="0">
-                <a:latin typeface="Comic Sans MS" pitchFamily="66" charset="0"/>
-                <a:sym typeface="Symbol" pitchFamily="18" charset="2"/>
-              </a:rPr>
-              <a:t>=</a:t>
+              <a:t> =</a:t>
             </a:r>
             <a:endParaRPr lang="en-US" sz="5400" i="0" dirty="0">
               <a:latin typeface="Comic Sans MS" pitchFamily="66" charset="0"/>
@@ -9759,7 +9797,14 @@
                 <a:latin typeface="Comic Sans MS"/>
                 <a:cs typeface="Comic Sans MS"/>
               </a:rPr>
-              <a:t> 12W.</a:t>
+              <a:t> </a:t>
+            </a:r>
+            <a:r>
+              <a:rPr lang="en-US" sz="1200" dirty="0" smtClean="0">
+                <a:latin typeface="Comic Sans MS"/>
+                <a:cs typeface="Comic Sans MS"/>
+              </a:rPr>
+              <a:t>12F.</a:t>
             </a:r>
             <a:fld id="{93DA0692-DAF7-4AFE-9BE7-E02439D3694A}" type="slidenum">
               <a:rPr lang="en-US" sz="1200" smtClean="0">
@@ -10096,7 +10141,7 @@
           <a:graphicData uri="http://schemas.openxmlformats.org/presentationml/2006/ole">
             <mc:AlternateContent xmlns:mc="http://schemas.openxmlformats.org/markup-compatibility/2006">
               <mc:Choice xmlns:v="urn:schemas-microsoft-com:vml" Requires="v">
-                <p:oleObj spid="_x0000_s239657" name="Equation" r:id="rId4" imgW="1701800" imgH="304800" progId="Equation.DSMT4">
+                <p:oleObj spid="_x0000_s239659" name="Equation" r:id="rId4" imgW="1701800" imgH="304800" progId="Equation.DSMT4">
                   <p:embed/>
                 </p:oleObj>
               </mc:Choice>
@@ -10319,7 +10364,14 @@
                 <a:latin typeface="Comic Sans MS"/>
                 <a:cs typeface="Comic Sans MS"/>
               </a:rPr>
-              <a:t> 12W.</a:t>
+              <a:t> </a:t>
+            </a:r>
+            <a:r>
+              <a:rPr lang="en-US" sz="1200" dirty="0" smtClean="0">
+                <a:latin typeface="Comic Sans MS"/>
+                <a:cs typeface="Comic Sans MS"/>
+              </a:rPr>
+              <a:t>12F.</a:t>
             </a:r>
             <a:fld id="{93DA0692-DAF7-4AFE-9BE7-E02439D3694A}" type="slidenum">
               <a:rPr lang="en-US" sz="1200" smtClean="0">
@@ -10575,7 +10627,7 @@
           <a:graphicData uri="http://schemas.openxmlformats.org/presentationml/2006/ole">
             <mc:AlternateContent xmlns:mc="http://schemas.openxmlformats.org/markup-compatibility/2006">
               <mc:Choice xmlns:v="urn:schemas-microsoft-com:vml" Requires="v">
-                <p:oleObj spid="_x0000_s241738" name="Equation" r:id="rId4" imgW="2159000" imgH="330200" progId="Equation.DSMT4">
+                <p:oleObj spid="_x0000_s241741" name="Equation" r:id="rId4" imgW="2159000" imgH="330200" progId="Equation.DSMT4">
                   <p:embed/>
                 </p:oleObj>
               </mc:Choice>
@@ -10677,7 +10729,7 @@
           <a:graphicData uri="http://schemas.openxmlformats.org/presentationml/2006/ole">
             <mc:AlternateContent xmlns:mc="http://schemas.openxmlformats.org/markup-compatibility/2006">
               <mc:Choice xmlns:v="urn:schemas-microsoft-com:vml" Requires="v">
-                <p:oleObj spid="_x0000_s241739" name="Equation" r:id="rId6" imgW="1968500" imgH="635000" progId="Equation.DSMT4">
+                <p:oleObj spid="_x0000_s241742" name="Equation" r:id="rId6" imgW="1968500" imgH="635000" progId="Equation.DSMT4">
                   <p:embed/>
                 </p:oleObj>
               </mc:Choice>
@@ -10935,7 +10987,14 @@
                 <a:latin typeface="Comic Sans MS"/>
                 <a:cs typeface="Comic Sans MS"/>
               </a:rPr>
-              <a:t> 12W.</a:t>
+              <a:t> </a:t>
+            </a:r>
+            <a:r>
+              <a:rPr lang="en-US" sz="1200" dirty="0" smtClean="0">
+                <a:latin typeface="Comic Sans MS"/>
+                <a:cs typeface="Comic Sans MS"/>
+              </a:rPr>
+              <a:t>12F.</a:t>
             </a:r>
             <a:fld id="{93DA0692-DAF7-4AFE-9BE7-E02439D3694A}" type="slidenum">
               <a:rPr lang="en-US" sz="1200" smtClean="0">
@@ -11506,7 +11565,14 @@
                 <a:latin typeface="Comic Sans MS"/>
                 <a:cs typeface="Comic Sans MS"/>
               </a:rPr>
-              <a:t> 12W.</a:t>
+              <a:t> </a:t>
+            </a:r>
+            <a:r>
+              <a:rPr lang="en-US" sz="1200" dirty="0" smtClean="0">
+                <a:latin typeface="Comic Sans MS"/>
+                <a:cs typeface="Comic Sans MS"/>
+              </a:rPr>
+              <a:t>12F.</a:t>
             </a:r>
             <a:fld id="{93DA0692-DAF7-4AFE-9BE7-E02439D3694A}" type="slidenum">
               <a:rPr lang="en-US" sz="1200" smtClean="0">
@@ -12096,7 +12162,14 @@
                 <a:latin typeface="Comic Sans MS"/>
                 <a:cs typeface="Comic Sans MS"/>
               </a:rPr>
-              <a:t> 12W.</a:t>
+              <a:t> </a:t>
+            </a:r>
+            <a:r>
+              <a:rPr lang="en-US" sz="1200" dirty="0" smtClean="0">
+                <a:latin typeface="Comic Sans MS"/>
+                <a:cs typeface="Comic Sans MS"/>
+              </a:rPr>
+              <a:t>12F.</a:t>
             </a:r>
             <a:fld id="{93DA0692-DAF7-4AFE-9BE7-E02439D3694A}" type="slidenum">
               <a:rPr lang="en-US" sz="1200" smtClean="0">
@@ -12527,7 +12600,14 @@
                 <a:latin typeface="Comic Sans MS"/>
                 <a:cs typeface="Comic Sans MS"/>
               </a:rPr>
-              <a:t> 12W.</a:t>
+              <a:t> </a:t>
+            </a:r>
+            <a:r>
+              <a:rPr lang="en-US" sz="1200" dirty="0" smtClean="0">
+                <a:latin typeface="Comic Sans MS"/>
+                <a:cs typeface="Comic Sans MS"/>
+              </a:rPr>
+              <a:t>12F.</a:t>
             </a:r>
             <a:fld id="{93DA0692-DAF7-4AFE-9BE7-E02439D3694A}" type="slidenum">
               <a:rPr lang="en-US" sz="1200" smtClean="0">
